--- a/presentation_python_API.pptx
+++ b/presentation_python_API.pptx
@@ -5,7 +5,7 @@
     <p:sldMasterId id="2147483648" r:id="rId4"/>
   </p:sldMasterIdLst>
   <p:notesMasterIdLst>
-    <p:notesMasterId r:id="rId20"/>
+    <p:notesMasterId r:id="rId18"/>
   </p:notesMasterIdLst>
   <p:sldIdLst>
     <p:sldId id="279" r:id="rId5"/>
@@ -21,8 +21,6 @@
     <p:sldId id="304" r:id="rId15"/>
     <p:sldId id="305" r:id="rId16"/>
     <p:sldId id="300" r:id="rId17"/>
-    <p:sldId id="298" r:id="rId18"/>
-    <p:sldId id="299" r:id="rId19"/>
   </p:sldIdLst>
   <p:sldSz cx="12192000" cy="6858000"/>
   <p:notesSz cx="6858000" cy="9144000"/>
@@ -211,7 +209,7 @@
           <a:p>
             <a:fld id="{D7DE7EAA-DEF6-BF48-877D-021E0C6CA113}" type="datetimeFigureOut">
               <a:rPr lang="nl-NL" smtClean="0"/>
-              <a:t>06-02-2020</a:t>
+              <a:t>11-02-2020</a:t>
             </a:fld>
             <a:endParaRPr lang="nl-NL"/>
           </a:p>
@@ -17430,7 +17428,7 @@
                 </a:solidFill>
                 <a:latin typeface="Courier New" panose="02070309020205020404" pitchFamily="49" charset="0"/>
               </a:rPr>
-              <a:t>	”poisonous”: true</a:t>
+              <a:t>	"poisonous": true</a:t>
             </a:r>
           </a:p>
           <a:p>
@@ -18129,7 +18127,7 @@
         <p:spPr>
           <a:xfrm>
             <a:off x="811013" y="1769201"/>
-            <a:ext cx="10135410" cy="1200329"/>
+            <a:ext cx="10135410" cy="1569660"/>
           </a:xfrm>
           <a:prstGeom prst="rect">
             <a:avLst/>
@@ -18193,6 +18191,38 @@
                 <a:cs typeface="Consolas" panose="020B0609020204030204" pitchFamily="49" charset="0"/>
               </a:rPr>
               <a:t>git checkout YOUR_NAME</a:t>
+            </a:r>
+          </a:p>
+          <a:p>
+            <a:r>
+              <a:rPr lang="en-GB" sz="2400" b="1" dirty="0">
+                <a:solidFill>
+                  <a:schemeClr val="bg1"/>
+                </a:solidFill>
+                <a:latin typeface="Consolas" panose="020B0609020204030204" pitchFamily="49" charset="0"/>
+                <a:cs typeface="Consolas" panose="020B0609020204030204" pitchFamily="49" charset="0"/>
+              </a:rPr>
+              <a:t>check out the .</a:t>
+            </a:r>
+            <a:r>
+              <a:rPr lang="en-GB" sz="2400" b="1" dirty="0" err="1">
+                <a:solidFill>
+                  <a:schemeClr val="bg1"/>
+                </a:solidFill>
+                <a:latin typeface="Consolas" panose="020B0609020204030204" pitchFamily="49" charset="0"/>
+                <a:cs typeface="Consolas" panose="020B0609020204030204" pitchFamily="49" charset="0"/>
+              </a:rPr>
+              <a:t>gitignore</a:t>
+            </a:r>
+            <a:r>
+              <a:rPr lang="en-GB" sz="2400" b="1">
+                <a:solidFill>
+                  <a:schemeClr val="bg1"/>
+                </a:solidFill>
+                <a:latin typeface="Consolas" panose="020B0609020204030204" pitchFamily="49" charset="0"/>
+                <a:cs typeface="Consolas" panose="020B0609020204030204" pitchFamily="49" charset="0"/>
+              </a:rPr>
+              <a:t> file</a:t>
             </a:r>
             <a:endParaRPr lang="en" sz="2400" b="1" dirty="0">
               <a:solidFill>
@@ -18238,415 +18268,6 @@
     <p:extLst>
       <p:ext uri="{BB962C8B-B14F-4D97-AF65-F5344CB8AC3E}">
         <p14:creationId xmlns:p14="http://schemas.microsoft.com/office/powerpoint/2010/main" val="1148994055"/>
-      </p:ext>
-    </p:extLst>
-  </p:cSld>
-  <p:clrMapOvr>
-    <a:masterClrMapping/>
-  </p:clrMapOvr>
-</p:sld>
-</file>
-
-<file path=ppt/slides/slide14.xml><?xml version="1.0" encoding="utf-8"?>
-<p:sld xmlns:a="http://schemas.openxmlformats.org/drawingml/2006/main" xmlns:r="http://schemas.openxmlformats.org/officeDocument/2006/relationships" xmlns:p="http://schemas.openxmlformats.org/presentationml/2006/main">
-  <p:cSld>
-    <p:bg>
-      <p:bgPr>
-        <a:solidFill>
-          <a:schemeClr val="tx1">
-            <a:alpha val="69000"/>
-          </a:schemeClr>
-        </a:solidFill>
-        <a:effectLst/>
-      </p:bgPr>
-    </p:bg>
-    <p:spTree>
-      <p:nvGrpSpPr>
-        <p:cNvPr id="1" name=""/>
-        <p:cNvGrpSpPr/>
-        <p:nvPr/>
-      </p:nvGrpSpPr>
-      <p:grpSpPr>
-        <a:xfrm>
-          <a:off x="0" y="0"/>
-          <a:ext cx="0" cy="0"/>
-          <a:chOff x="0" y="0"/>
-          <a:chExt cx="0" cy="0"/>
-        </a:xfrm>
-      </p:grpSpPr>
-      <p:sp>
-        <p:nvSpPr>
-          <p:cNvPr id="2" name="Titel 1">
-            <a:extLst>
-              <a:ext uri="{FF2B5EF4-FFF2-40B4-BE49-F238E27FC236}">
-                <a16:creationId xmlns:a16="http://schemas.microsoft.com/office/drawing/2014/main" id="{28BD0C3D-07D2-8549-AE25-94E0F0A959EE}"/>
-              </a:ext>
-            </a:extLst>
-          </p:cNvPr>
-          <p:cNvSpPr>
-            <a:spLocks noGrp="1"/>
-          </p:cNvSpPr>
-          <p:nvPr>
-            <p:ph type="title"/>
-          </p:nvPr>
-        </p:nvSpPr>
-        <p:spPr>
-          <a:xfrm>
-            <a:off x="820952" y="789196"/>
-            <a:ext cx="11021172" cy="867326"/>
-          </a:xfrm>
-          <a:prstGeom prst="rect">
-            <a:avLst/>
-          </a:prstGeom>
-        </p:spPr>
-        <p:txBody>
-          <a:bodyPr/>
-          <a:lstStyle/>
-          <a:p>
-            <a:r>
-              <a:rPr lang="nl-NL" dirty="0">
-                <a:solidFill>
-                  <a:schemeClr val="bg1"/>
-                </a:solidFill>
-                <a:latin typeface="Consolas" panose="020B0609020204030204" pitchFamily="49" charset="0"/>
-                <a:cs typeface="Consolas" panose="020B0609020204030204" pitchFamily="49" charset="0"/>
-              </a:rPr>
-              <a:t>Assignment01 - Public </a:t>
-            </a:r>
-            <a:r>
-              <a:rPr lang="nl-NL" dirty="0" err="1">
-                <a:solidFill>
-                  <a:schemeClr val="bg1"/>
-                </a:solidFill>
-                <a:latin typeface="Consolas" panose="020B0609020204030204" pitchFamily="49" charset="0"/>
-                <a:cs typeface="Consolas" panose="020B0609020204030204" pitchFamily="49" charset="0"/>
-              </a:rPr>
-              <a:t>api</a:t>
-            </a:r>
-            <a:endParaRPr lang="nl-NL" dirty="0">
-              <a:solidFill>
-                <a:schemeClr val="bg1"/>
-              </a:solidFill>
-              <a:latin typeface="Consolas" panose="020B0609020204030204" pitchFamily="49" charset="0"/>
-              <a:cs typeface="Consolas" panose="020B0609020204030204" pitchFamily="49" charset="0"/>
-            </a:endParaRPr>
-          </a:p>
-        </p:txBody>
-      </p:sp>
-      <p:sp>
-        <p:nvSpPr>
-          <p:cNvPr id="14" name="TextBox 2">
-            <a:extLst>
-              <a:ext uri="{FF2B5EF4-FFF2-40B4-BE49-F238E27FC236}">
-                <a16:creationId xmlns:a16="http://schemas.microsoft.com/office/drawing/2014/main" id="{BFDD88AB-78F0-4A81-894B-1246B810565E}"/>
-              </a:ext>
-            </a:extLst>
-          </p:cNvPr>
-          <p:cNvSpPr txBox="1"/>
-          <p:nvPr/>
-        </p:nvSpPr>
-        <p:spPr>
-          <a:xfrm>
-            <a:off x="811013" y="1760323"/>
-            <a:ext cx="9079607" cy="1200329"/>
-          </a:xfrm>
-          <a:prstGeom prst="rect">
-            <a:avLst/>
-          </a:prstGeom>
-          <a:noFill/>
-        </p:spPr>
-        <p:txBody>
-          <a:bodyPr wrap="square" rtlCol="0">
-            <a:spAutoFit/>
-          </a:bodyPr>
-          <a:lstStyle/>
-          <a:p>
-            <a:pPr marL="342900" indent="-342900">
-              <a:buFont typeface="Arial" panose="020B0604020202020204" pitchFamily="34" charset="0"/>
-              <a:buChar char="•"/>
-            </a:pPr>
-            <a:r>
-              <a:rPr lang="en" sz="2400" b="1" dirty="0">
-                <a:solidFill>
-                  <a:schemeClr val="bg1"/>
-                </a:solidFill>
-              </a:rPr>
-              <a:t>Pick an API from: </a:t>
-            </a:r>
-            <a:r>
-              <a:rPr lang="en-GB" sz="2400" dirty="0">
-                <a:hlinkClick r:id="rId2"/>
-              </a:rPr>
-              <a:t>https://github.com/public-apis/public-apis</a:t>
-            </a:r>
-            <a:endParaRPr lang="en" sz="2400" b="1" dirty="0">
-              <a:solidFill>
-                <a:schemeClr val="bg1"/>
-              </a:solidFill>
-            </a:endParaRPr>
-          </a:p>
-          <a:p>
-            <a:pPr marL="342900" indent="-342900">
-              <a:buFont typeface="Arial" panose="020B0604020202020204" pitchFamily="34" charset="0"/>
-              <a:buChar char="•"/>
-            </a:pPr>
-            <a:r>
-              <a:rPr lang="en" sz="2400" b="1" dirty="0">
-                <a:solidFill>
-                  <a:schemeClr val="bg1"/>
-                </a:solidFill>
-              </a:rPr>
-              <a:t>R</a:t>
-            </a:r>
-            <a:r>
-              <a:rPr lang="en-GB" sz="2400" b="1" dirty="0">
-                <a:solidFill>
-                  <a:schemeClr val="bg1"/>
-                </a:solidFill>
-              </a:rPr>
-              <a:t>e</a:t>
-            </a:r>
-            <a:r>
-              <a:rPr lang="en" sz="2400" b="1" dirty="0">
-                <a:solidFill>
-                  <a:schemeClr val="bg1"/>
-                </a:solidFill>
-              </a:rPr>
-              <a:t>ad the information in Python</a:t>
-            </a:r>
-          </a:p>
-          <a:p>
-            <a:pPr marL="342900" indent="-342900">
-              <a:buFont typeface="Arial" panose="020B0604020202020204" pitchFamily="34" charset="0"/>
-              <a:buChar char="•"/>
-            </a:pPr>
-            <a:endParaRPr lang="en-GB" sz="2400" dirty="0"/>
-          </a:p>
-        </p:txBody>
-      </p:sp>
-      <p:pic>
-        <p:nvPicPr>
-          <p:cNvPr id="15" name="Afbeelding 14">
-            <a:extLst>
-              <a:ext uri="{FF2B5EF4-FFF2-40B4-BE49-F238E27FC236}">
-                <a16:creationId xmlns:a16="http://schemas.microsoft.com/office/drawing/2014/main" id="{A19ED3C7-454A-47FB-AD57-3FA71759BB4A}"/>
-              </a:ext>
-            </a:extLst>
-          </p:cNvPr>
-          <p:cNvPicPr>
-            <a:picLocks noChangeAspect="1"/>
-          </p:cNvPicPr>
-          <p:nvPr/>
-        </p:nvPicPr>
-        <p:blipFill>
-          <a:blip r:embed="rId3"/>
-          <a:stretch>
-            <a:fillRect/>
-          </a:stretch>
-        </p:blipFill>
-        <p:spPr>
-          <a:xfrm>
-            <a:off x="10692696" y="5400964"/>
-            <a:ext cx="1598706" cy="1598706"/>
-          </a:xfrm>
-          <a:prstGeom prst="rect">
-            <a:avLst/>
-          </a:prstGeom>
-        </p:spPr>
-      </p:pic>
-    </p:spTree>
-    <p:extLst>
-      <p:ext uri="{BB962C8B-B14F-4D97-AF65-F5344CB8AC3E}">
-        <p14:creationId xmlns:p14="http://schemas.microsoft.com/office/powerpoint/2010/main" val="773566800"/>
-      </p:ext>
-    </p:extLst>
-  </p:cSld>
-  <p:clrMapOvr>
-    <a:masterClrMapping/>
-  </p:clrMapOvr>
-</p:sld>
-</file>
-
-<file path=ppt/slides/slide15.xml><?xml version="1.0" encoding="utf-8"?>
-<p:sld xmlns:a="http://schemas.openxmlformats.org/drawingml/2006/main" xmlns:r="http://schemas.openxmlformats.org/officeDocument/2006/relationships" xmlns:p="http://schemas.openxmlformats.org/presentationml/2006/main">
-  <p:cSld>
-    <p:bg>
-      <p:bgPr>
-        <a:solidFill>
-          <a:schemeClr val="tx1">
-            <a:alpha val="69000"/>
-          </a:schemeClr>
-        </a:solidFill>
-        <a:effectLst/>
-      </p:bgPr>
-    </p:bg>
-    <p:spTree>
-      <p:nvGrpSpPr>
-        <p:cNvPr id="1" name=""/>
-        <p:cNvGrpSpPr/>
-        <p:nvPr/>
-      </p:nvGrpSpPr>
-      <p:grpSpPr>
-        <a:xfrm>
-          <a:off x="0" y="0"/>
-          <a:ext cx="0" cy="0"/>
-          <a:chOff x="0" y="0"/>
-          <a:chExt cx="0" cy="0"/>
-        </a:xfrm>
-      </p:grpSpPr>
-      <p:sp>
-        <p:nvSpPr>
-          <p:cNvPr id="2" name="Titel 1">
-            <a:extLst>
-              <a:ext uri="{FF2B5EF4-FFF2-40B4-BE49-F238E27FC236}">
-                <a16:creationId xmlns:a16="http://schemas.microsoft.com/office/drawing/2014/main" id="{28BD0C3D-07D2-8549-AE25-94E0F0A959EE}"/>
-              </a:ext>
-            </a:extLst>
-          </p:cNvPr>
-          <p:cNvSpPr>
-            <a:spLocks noGrp="1"/>
-          </p:cNvSpPr>
-          <p:nvPr>
-            <p:ph type="title"/>
-          </p:nvPr>
-        </p:nvSpPr>
-        <p:spPr>
-          <a:xfrm>
-            <a:off x="820952" y="789196"/>
-            <a:ext cx="11021172" cy="867326"/>
-          </a:xfrm>
-          <a:prstGeom prst="rect">
-            <a:avLst/>
-          </a:prstGeom>
-        </p:spPr>
-        <p:txBody>
-          <a:bodyPr/>
-          <a:lstStyle/>
-          <a:p>
-            <a:r>
-              <a:rPr lang="nl-NL" dirty="0">
-                <a:solidFill>
-                  <a:schemeClr val="bg1"/>
-                </a:solidFill>
-                <a:latin typeface="Consolas" panose="020B0609020204030204" pitchFamily="49" charset="0"/>
-                <a:cs typeface="Consolas" panose="020B0609020204030204" pitchFamily="49" charset="0"/>
-              </a:rPr>
-              <a:t>Assignment02 - private </a:t>
-            </a:r>
-            <a:r>
-              <a:rPr lang="nl-NL" dirty="0" err="1">
-                <a:solidFill>
-                  <a:schemeClr val="bg1"/>
-                </a:solidFill>
-                <a:latin typeface="Consolas" panose="020B0609020204030204" pitchFamily="49" charset="0"/>
-                <a:cs typeface="Consolas" panose="020B0609020204030204" pitchFamily="49" charset="0"/>
-              </a:rPr>
-              <a:t>api</a:t>
-            </a:r>
-            <a:endParaRPr lang="nl-NL" dirty="0">
-              <a:solidFill>
-                <a:schemeClr val="bg1"/>
-              </a:solidFill>
-              <a:latin typeface="Consolas" panose="020B0609020204030204" pitchFamily="49" charset="0"/>
-              <a:cs typeface="Consolas" panose="020B0609020204030204" pitchFamily="49" charset="0"/>
-            </a:endParaRPr>
-          </a:p>
-        </p:txBody>
-      </p:sp>
-      <p:sp>
-        <p:nvSpPr>
-          <p:cNvPr id="14" name="TextBox 2">
-            <a:extLst>
-              <a:ext uri="{FF2B5EF4-FFF2-40B4-BE49-F238E27FC236}">
-                <a16:creationId xmlns:a16="http://schemas.microsoft.com/office/drawing/2014/main" id="{BFDD88AB-78F0-4A81-894B-1246B810565E}"/>
-              </a:ext>
-            </a:extLst>
-          </p:cNvPr>
-          <p:cNvSpPr txBox="1"/>
-          <p:nvPr/>
-        </p:nvSpPr>
-        <p:spPr>
-          <a:xfrm>
-            <a:off x="811013" y="1760323"/>
-            <a:ext cx="9079607" cy="461665"/>
-          </a:xfrm>
-          <a:prstGeom prst="rect">
-            <a:avLst/>
-          </a:prstGeom>
-          <a:noFill/>
-        </p:spPr>
-        <p:txBody>
-          <a:bodyPr wrap="square" rtlCol="0">
-            <a:spAutoFit/>
-          </a:bodyPr>
-          <a:lstStyle/>
-          <a:p>
-            <a:pPr marL="342900" indent="-342900">
-              <a:buFont typeface="Arial" panose="020B0604020202020204" pitchFamily="34" charset="0"/>
-              <a:buChar char="•"/>
-            </a:pPr>
-            <a:r>
-              <a:rPr lang="nl-NL" sz="2400" b="1" dirty="0">
-                <a:solidFill>
-                  <a:schemeClr val="bg1"/>
-                </a:solidFill>
-              </a:rPr>
-              <a:t>Open </a:t>
-            </a:r>
-            <a:r>
-              <a:rPr lang="nl-NL" sz="2400" b="1" dirty="0" err="1">
-                <a:solidFill>
-                  <a:schemeClr val="bg1"/>
-                </a:solidFill>
-              </a:rPr>
-              <a:t>the</a:t>
-            </a:r>
-            <a:r>
-              <a:rPr lang="nl-NL" sz="2400" b="1" dirty="0">
-                <a:solidFill>
-                  <a:schemeClr val="bg1"/>
-                </a:solidFill>
-              </a:rPr>
-              <a:t> </a:t>
-            </a:r>
-            <a:endParaRPr lang="en-GB" sz="2400" dirty="0"/>
-          </a:p>
-        </p:txBody>
-      </p:sp>
-      <p:pic>
-        <p:nvPicPr>
-          <p:cNvPr id="15" name="Afbeelding 14">
-            <a:extLst>
-              <a:ext uri="{FF2B5EF4-FFF2-40B4-BE49-F238E27FC236}">
-                <a16:creationId xmlns:a16="http://schemas.microsoft.com/office/drawing/2014/main" id="{A19ED3C7-454A-47FB-AD57-3FA71759BB4A}"/>
-              </a:ext>
-            </a:extLst>
-          </p:cNvPr>
-          <p:cNvPicPr>
-            <a:picLocks noChangeAspect="1"/>
-          </p:cNvPicPr>
-          <p:nvPr/>
-        </p:nvPicPr>
-        <p:blipFill>
-          <a:blip r:embed="rId2"/>
-          <a:stretch>
-            <a:fillRect/>
-          </a:stretch>
-        </p:blipFill>
-        <p:spPr>
-          <a:xfrm>
-            <a:off x="10692696" y="5400964"/>
-            <a:ext cx="1598706" cy="1598706"/>
-          </a:xfrm>
-          <a:prstGeom prst="rect">
-            <a:avLst/>
-          </a:prstGeom>
-        </p:spPr>
-      </p:pic>
-    </p:spTree>
-    <p:extLst>
-      <p:ext uri="{BB962C8B-B14F-4D97-AF65-F5344CB8AC3E}">
-        <p14:creationId xmlns:p14="http://schemas.microsoft.com/office/powerpoint/2010/main" val="3046385253"/>
       </p:ext>
     </p:extLst>
   </p:cSld>
@@ -21969,35 +21590,6 @@
 </file>
 
 <file path=customXml/item1.xml><?xml version="1.0" encoding="utf-8"?>
-<p:properties xmlns:p="http://schemas.microsoft.com/office/2006/metadata/properties" xmlns:xsi="http://www.w3.org/2001/XMLSchema-instance" xmlns:pc="http://schemas.microsoft.com/office/infopath/2007/PartnerControls">
-  <documentManagement>
-    <eCDocumentTypeTaxHTField0 xmlns="http://schemas.debble.com/">
-      <Terms xmlns="http://schemas.microsoft.com/office/infopath/2007/PartnerControls"/>
-    </eCDocumentTypeTaxHTField0>
-    <eCSection xmlns="http://schemas.debble.com/" xsi:nil="true"/>
-    <TaxCatchAll xmlns="f1097368-b32d-44af-b1b1-c0b0a50cf951"/>
-    <TaxKeywordTaxHTField xmlns="f1097368-b32d-44af-b1b1-c0b0a50cf951">
-      <Terms xmlns="http://schemas.microsoft.com/office/infopath/2007/PartnerControls"/>
-    </TaxKeywordTaxHTField>
-    <_ip_UnifiedCompliancePolicyUIAction xmlns="http://schemas.microsoft.com/sharepoint/v3" xsi:nil="true"/>
-    <_ip_UnifiedCompliancePolicyProperties xmlns="http://schemas.microsoft.com/sharepoint/v3" xsi:nil="true"/>
-    <SharedWithUsers xmlns="f1097368-b32d-44af-b1b1-c0b0a50cf951">
-      <UserInfo>
-        <DisplayName>Milad Jahromi</DisplayName>
-        <AccountId>37</AccountId>
-        <AccountType/>
-      </UserInfo>
-      <UserInfo>
-        <DisplayName>Ivo van der Nagel</DisplayName>
-        <AccountId>39</AccountId>
-        <AccountType/>
-      </UserInfo>
-    </SharedWithUsers>
-  </documentManagement>
-</p:properties>
-</file>
-
-<file path=customXml/item2.xml><?xml version="1.0" encoding="utf-8"?>
 <ct:contentTypeSchema xmlns:ct="http://schemas.microsoft.com/office/2006/metadata/contentType" xmlns:ma="http://schemas.microsoft.com/office/2006/metadata/properties/metaAttributes" ct:_="" ma:_="" ma:contentTypeName="Document" ma:contentTypeID="0x010100E22AFA8CBA7E4A429CA01F5F88F7E960" ma:contentTypeVersion="18" ma:contentTypeDescription="Create a new document." ma:contentTypeScope="" ma:versionID="6eac5708c01231d6b28c73c8b385e79c">
   <xsd:schema xmlns:xsd="http://www.w3.org/2001/XMLSchema" xmlns:xs="http://www.w3.org/2001/XMLSchema" xmlns:p="http://schemas.microsoft.com/office/2006/metadata/properties" xmlns:ns1="http://schemas.microsoft.com/sharepoint/v3" xmlns:ns2="f1097368-b32d-44af-b1b1-c0b0a50cf951" xmlns:ns3="http://schemas.debble.com/" xmlns:ns4="899c6911-a69e-4e22-8b8b-0b3f3dd72814" targetNamespace="http://schemas.microsoft.com/office/2006/metadata/properties" ma:root="true" ma:fieldsID="f6abb8339ac61a8a0c8e4a130db4f196" ns1:_="" ns2:_="" ns3:_="" ns4:_="">
     <xsd:import namespace="http://schemas.microsoft.com/sharepoint/v3"/>
@@ -22256,6 +21848,35 @@
 </ct:contentTypeSchema>
 </file>
 
+<file path=customXml/item2.xml><?xml version="1.0" encoding="utf-8"?>
+<p:properties xmlns:p="http://schemas.microsoft.com/office/2006/metadata/properties" xmlns:xsi="http://www.w3.org/2001/XMLSchema-instance" xmlns:pc="http://schemas.microsoft.com/office/infopath/2007/PartnerControls">
+  <documentManagement>
+    <eCDocumentTypeTaxHTField0 xmlns="http://schemas.debble.com/">
+      <Terms xmlns="http://schemas.microsoft.com/office/infopath/2007/PartnerControls"/>
+    </eCDocumentTypeTaxHTField0>
+    <eCSection xmlns="http://schemas.debble.com/" xsi:nil="true"/>
+    <TaxCatchAll xmlns="f1097368-b32d-44af-b1b1-c0b0a50cf951"/>
+    <TaxKeywordTaxHTField xmlns="f1097368-b32d-44af-b1b1-c0b0a50cf951">
+      <Terms xmlns="http://schemas.microsoft.com/office/infopath/2007/PartnerControls"/>
+    </TaxKeywordTaxHTField>
+    <_ip_UnifiedCompliancePolicyUIAction xmlns="http://schemas.microsoft.com/sharepoint/v3" xsi:nil="true"/>
+    <_ip_UnifiedCompliancePolicyProperties xmlns="http://schemas.microsoft.com/sharepoint/v3" xsi:nil="true"/>
+    <SharedWithUsers xmlns="f1097368-b32d-44af-b1b1-c0b0a50cf951">
+      <UserInfo>
+        <DisplayName>Milad Jahromi</DisplayName>
+        <AccountId>37</AccountId>
+        <AccountType/>
+      </UserInfo>
+      <UserInfo>
+        <DisplayName>Ivo van der Nagel</DisplayName>
+        <AccountId>39</AccountId>
+        <AccountType/>
+      </UserInfo>
+    </SharedWithUsers>
+  </documentManagement>
+</p:properties>
+</file>
+
 <file path=customXml/item3.xml><?xml version="1.0" encoding="utf-8"?>
 <?mso-contentType ?>
 <FormTemplates xmlns="http://schemas.microsoft.com/sharepoint/v3/contenttype/forms">
@@ -22266,25 +21887,6 @@
 </file>
 
 <file path=customXml/itemProps1.xml><?xml version="1.0" encoding="utf-8"?>
-<ds:datastoreItem xmlns:ds="http://schemas.openxmlformats.org/officeDocument/2006/customXml" ds:itemID="{AD04CE38-14A7-4112-8BA0-2CE72FBE5FA1}">
-  <ds:schemaRefs>
-    <ds:schemaRef ds:uri="http://purl.org/dc/elements/1.1/"/>
-    <ds:schemaRef ds:uri="http://www.w3.org/XML/1998/namespace"/>
-    <ds:schemaRef ds:uri="http://schemas.debble.com/"/>
-    <ds:schemaRef ds:uri="http://schemas.microsoft.com/sharepoint/v3"/>
-    <ds:schemaRef ds:uri="http://schemas.microsoft.com/office/infopath/2007/PartnerControls"/>
-    <ds:schemaRef ds:uri="http://purl.org/dc/dcmitype/"/>
-    <ds:schemaRef ds:uri="http://schemas.microsoft.com/office/2006/documentManagement/types"/>
-    <ds:schemaRef ds:uri="http://purl.org/dc/terms/"/>
-    <ds:schemaRef ds:uri="http://schemas.openxmlformats.org/package/2006/metadata/core-properties"/>
-    <ds:schemaRef ds:uri="899c6911-a69e-4e22-8b8b-0b3f3dd72814"/>
-    <ds:schemaRef ds:uri="f1097368-b32d-44af-b1b1-c0b0a50cf951"/>
-    <ds:schemaRef ds:uri="http://schemas.microsoft.com/office/2006/metadata/properties"/>
-  </ds:schemaRefs>
-</ds:datastoreItem>
-</file>
-
-<file path=customXml/itemProps2.xml><?xml version="1.0" encoding="utf-8"?>
 <ds:datastoreItem xmlns:ds="http://schemas.openxmlformats.org/officeDocument/2006/customXml" ds:itemID="{0D443C15-5143-4AA1-8A89-5A1F9811DCDB}">
   <ds:schemaRefs>
     <ds:schemaRef ds:uri="http://schemas.microsoft.com/office/2006/metadata/contentType"/>
@@ -22305,6 +21907,25 @@
 </ds:datastoreItem>
 </file>
 
+<file path=customXml/itemProps2.xml><?xml version="1.0" encoding="utf-8"?>
+<ds:datastoreItem xmlns:ds="http://schemas.openxmlformats.org/officeDocument/2006/customXml" ds:itemID="{AD04CE38-14A7-4112-8BA0-2CE72FBE5FA1}">
+  <ds:schemaRefs>
+    <ds:schemaRef ds:uri="http://purl.org/dc/elements/1.1/"/>
+    <ds:schemaRef ds:uri="http://www.w3.org/XML/1998/namespace"/>
+    <ds:schemaRef ds:uri="http://schemas.debble.com/"/>
+    <ds:schemaRef ds:uri="http://schemas.microsoft.com/sharepoint/v3"/>
+    <ds:schemaRef ds:uri="http://schemas.microsoft.com/office/infopath/2007/PartnerControls"/>
+    <ds:schemaRef ds:uri="http://purl.org/dc/dcmitype/"/>
+    <ds:schemaRef ds:uri="http://schemas.microsoft.com/office/2006/documentManagement/types"/>
+    <ds:schemaRef ds:uri="http://purl.org/dc/terms/"/>
+    <ds:schemaRef ds:uri="http://schemas.openxmlformats.org/package/2006/metadata/core-properties"/>
+    <ds:schemaRef ds:uri="899c6911-a69e-4e22-8b8b-0b3f3dd72814"/>
+    <ds:schemaRef ds:uri="f1097368-b32d-44af-b1b1-c0b0a50cf951"/>
+    <ds:schemaRef ds:uri="http://schemas.microsoft.com/office/2006/metadata/properties"/>
+  </ds:schemaRefs>
+</ds:datastoreItem>
+</file>
+
 <file path=customXml/itemProps3.xml><?xml version="1.0" encoding="utf-8"?>
 <ds:datastoreItem xmlns:ds="http://schemas.openxmlformats.org/officeDocument/2006/customXml" ds:itemID="{36EF93B1-A4A9-46AE-9BE6-12BC5D8BC874}">
   <ds:schemaRefs>
